--- a/asset/asset-factory.pptx
+++ b/asset/asset-factory.pptx
@@ -105,6 +105,11 @@
       </a:defRPr>
     </a:lvl9pPr>
   </p:defaultTextStyle>
+  <p:extLst>
+    <p:ext uri="{EFAFB233-063F-42B5-8137-9DF3F51BA10A}">
+      <p15:sldGuideLst xmlns:p15="http://schemas.microsoft.com/office/powerpoint/2012/main"/>
+    </p:ext>
+  </p:extLst>
 </p:presentation>
 </file>
 
@@ -4235,6 +4240,616 @@
           <a:chExt cx="0" cy="0"/>
         </a:xfrm>
       </p:grpSpPr>
+      <p:sp>
+        <p:nvSpPr>
+          <p:cNvPr id="24" name="正方形/長方形 23">
+            <a:extLst>
+              <a:ext uri="{FF2B5EF4-FFF2-40B4-BE49-F238E27FC236}">
+                <a16:creationId xmlns:a16="http://schemas.microsoft.com/office/drawing/2014/main" id="{49120933-67F4-2822-629B-703AAE26E5B9}"/>
+              </a:ext>
+            </a:extLst>
+          </p:cNvPr>
+          <p:cNvSpPr/>
+          <p:nvPr/>
+        </p:nvSpPr>
+        <p:spPr>
+          <a:xfrm>
+            <a:off x="537410" y="547695"/>
+            <a:ext cx="10507579" cy="3679400"/>
+          </a:xfrm>
+          <a:prstGeom prst="rect">
+            <a:avLst/>
+          </a:prstGeom>
+          <a:solidFill>
+            <a:schemeClr val="bg1"/>
+          </a:solidFill>
+          <a:ln>
+            <a:noFill/>
+          </a:ln>
+        </p:spPr>
+        <p:style>
+          <a:lnRef idx="2">
+            <a:schemeClr val="accent1">
+              <a:shade val="15000"/>
+            </a:schemeClr>
+          </a:lnRef>
+          <a:fillRef idx="1">
+            <a:schemeClr val="accent1"/>
+          </a:fillRef>
+          <a:effectRef idx="0">
+            <a:schemeClr val="accent1"/>
+          </a:effectRef>
+          <a:fontRef idx="minor">
+            <a:schemeClr val="lt1"/>
+          </a:fontRef>
+        </p:style>
+        <p:txBody>
+          <a:bodyPr rtlCol="0" anchor="ctr"/>
+          <a:lstStyle/>
+          <a:p>
+            <a:pPr algn="ctr"/>
+            <a:endParaRPr kumimoji="1" lang="ja-JP" altLang="en-US"/>
+          </a:p>
+        </p:txBody>
+      </p:sp>
+      <p:grpSp>
+        <p:nvGrpSpPr>
+          <p:cNvPr id="25" name="グループ化 24">
+            <a:extLst>
+              <a:ext uri="{FF2B5EF4-FFF2-40B4-BE49-F238E27FC236}">
+                <a16:creationId xmlns:a16="http://schemas.microsoft.com/office/drawing/2014/main" id="{7FAF99B4-8484-E939-F109-818EF33A97E3}"/>
+              </a:ext>
+            </a:extLst>
+          </p:cNvPr>
+          <p:cNvGrpSpPr/>
+          <p:nvPr/>
+        </p:nvGrpSpPr>
+        <p:grpSpPr>
+          <a:xfrm>
+            <a:off x="1475873" y="1001910"/>
+            <a:ext cx="8630652" cy="2770970"/>
+            <a:chOff x="1780674" y="611863"/>
+            <a:chExt cx="8630652" cy="2770970"/>
+          </a:xfrm>
+        </p:grpSpPr>
+        <p:sp>
+          <p:nvSpPr>
+            <p:cNvPr id="3" name="正方形/長方形 2">
+              <a:extLst>
+                <a:ext uri="{FF2B5EF4-FFF2-40B4-BE49-F238E27FC236}">
+                  <a16:creationId xmlns:a16="http://schemas.microsoft.com/office/drawing/2014/main" id="{D329271E-0150-2D81-6B94-BBB385E390AB}"/>
+                </a:ext>
+              </a:extLst>
+            </p:cNvPr>
+            <p:cNvSpPr/>
+            <p:nvPr/>
+          </p:nvSpPr>
+          <p:spPr>
+            <a:xfrm>
+              <a:off x="1780674" y="1463882"/>
+              <a:ext cx="1440000" cy="1440000"/>
+            </a:xfrm>
+            <a:prstGeom prst="rect">
+              <a:avLst/>
+            </a:prstGeom>
+            <a:solidFill>
+              <a:schemeClr val="tx1">
+                <a:lumMod val="75000"/>
+                <a:lumOff val="25000"/>
+              </a:schemeClr>
+            </a:solidFill>
+            <a:ln>
+              <a:noFill/>
+            </a:ln>
+          </p:spPr>
+          <p:style>
+            <a:lnRef idx="2">
+              <a:schemeClr val="accent1">
+                <a:shade val="15000"/>
+              </a:schemeClr>
+            </a:lnRef>
+            <a:fillRef idx="1">
+              <a:schemeClr val="accent1"/>
+            </a:fillRef>
+            <a:effectRef idx="0">
+              <a:schemeClr val="accent1"/>
+            </a:effectRef>
+            <a:fontRef idx="minor">
+              <a:schemeClr val="lt1"/>
+            </a:fontRef>
+          </p:style>
+          <p:txBody>
+            <a:bodyPr rtlCol="0" anchor="ctr"/>
+            <a:lstStyle/>
+            <a:p>
+              <a:pPr algn="ctr"/>
+              <a:r>
+                <a:rPr kumimoji="1" lang="en-US" altLang="ja-JP" sz="1600" dirty="0" err="1">
+                  <a:solidFill>
+                    <a:schemeClr val="bg1"/>
+                  </a:solidFill>
+                  <a:latin typeface="メイリオ" panose="020B0604030504040204" pitchFamily="50" charset="-128"/>
+                  <a:ea typeface="メイリオ" panose="020B0604030504040204" pitchFamily="50" charset="-128"/>
+                </a:rPr>
+                <a:t>systemd</a:t>
+              </a:r>
+              <a:endParaRPr kumimoji="1" lang="ja-JP" altLang="en-US" sz="1600" dirty="0">
+                <a:solidFill>
+                  <a:schemeClr val="bg1"/>
+                </a:solidFill>
+                <a:latin typeface="メイリオ" panose="020B0604030504040204" pitchFamily="50" charset="-128"/>
+                <a:ea typeface="メイリオ" panose="020B0604030504040204" pitchFamily="50" charset="-128"/>
+              </a:endParaRPr>
+            </a:p>
+          </p:txBody>
+        </p:sp>
+        <p:sp>
+          <p:nvSpPr>
+            <p:cNvPr id="4" name="正方形/長方形 3">
+              <a:extLst>
+                <a:ext uri="{FF2B5EF4-FFF2-40B4-BE49-F238E27FC236}">
+                  <a16:creationId xmlns:a16="http://schemas.microsoft.com/office/drawing/2014/main" id="{55529EB6-2315-FA1C-6250-673D8B25DF0B}"/>
+                </a:ext>
+              </a:extLst>
+            </p:cNvPr>
+            <p:cNvSpPr/>
+            <p:nvPr/>
+          </p:nvSpPr>
+          <p:spPr>
+            <a:xfrm>
+              <a:off x="5376000" y="1463882"/>
+              <a:ext cx="1440000" cy="1440000"/>
+            </a:xfrm>
+            <a:prstGeom prst="rect">
+              <a:avLst/>
+            </a:prstGeom>
+            <a:solidFill>
+              <a:schemeClr val="accent1">
+                <a:lumMod val="75000"/>
+              </a:schemeClr>
+            </a:solidFill>
+            <a:ln>
+              <a:noFill/>
+            </a:ln>
+          </p:spPr>
+          <p:style>
+            <a:lnRef idx="2">
+              <a:schemeClr val="accent1">
+                <a:shade val="15000"/>
+              </a:schemeClr>
+            </a:lnRef>
+            <a:fillRef idx="1">
+              <a:schemeClr val="accent1"/>
+            </a:fillRef>
+            <a:effectRef idx="0">
+              <a:schemeClr val="accent1"/>
+            </a:effectRef>
+            <a:fontRef idx="minor">
+              <a:schemeClr val="lt1"/>
+            </a:fontRef>
+          </p:style>
+          <p:txBody>
+            <a:bodyPr rtlCol="0" anchor="ctr"/>
+            <a:lstStyle/>
+            <a:p>
+              <a:pPr algn="ctr"/>
+              <a:r>
+                <a:rPr kumimoji="1" lang="en-US" altLang="ja-JP" sz="1600" dirty="0">
+                  <a:solidFill>
+                    <a:schemeClr val="bg1"/>
+                  </a:solidFill>
+                  <a:latin typeface="メイリオ" panose="020B0604030504040204" pitchFamily="50" charset="-128"/>
+                  <a:ea typeface="メイリオ" panose="020B0604030504040204" pitchFamily="50" charset="-128"/>
+                </a:rPr>
+                <a:t>autoexec.sh</a:t>
+              </a:r>
+              <a:endParaRPr kumimoji="1" lang="ja-JP" altLang="en-US" sz="1600" dirty="0">
+                <a:solidFill>
+                  <a:schemeClr val="bg1"/>
+                </a:solidFill>
+                <a:latin typeface="メイリオ" panose="020B0604030504040204" pitchFamily="50" charset="-128"/>
+                <a:ea typeface="メイリオ" panose="020B0604030504040204" pitchFamily="50" charset="-128"/>
+              </a:endParaRPr>
+            </a:p>
+          </p:txBody>
+        </p:sp>
+        <p:sp>
+          <p:nvSpPr>
+            <p:cNvPr id="5" name="正方形/長方形 4">
+              <a:extLst>
+                <a:ext uri="{FF2B5EF4-FFF2-40B4-BE49-F238E27FC236}">
+                  <a16:creationId xmlns:a16="http://schemas.microsoft.com/office/drawing/2014/main" id="{D4434FAA-1E2A-0B09-3686-8981226A7348}"/>
+                </a:ext>
+              </a:extLst>
+            </p:cNvPr>
+            <p:cNvSpPr/>
+            <p:nvPr/>
+          </p:nvSpPr>
+          <p:spPr>
+            <a:xfrm>
+              <a:off x="8971326" y="1463882"/>
+              <a:ext cx="1440000" cy="1440000"/>
+            </a:xfrm>
+            <a:prstGeom prst="rect">
+              <a:avLst/>
+            </a:prstGeom>
+            <a:solidFill>
+              <a:schemeClr val="accent2">
+                <a:lumMod val="75000"/>
+              </a:schemeClr>
+            </a:solidFill>
+            <a:ln>
+              <a:noFill/>
+            </a:ln>
+          </p:spPr>
+          <p:style>
+            <a:lnRef idx="2">
+              <a:schemeClr val="accent1">
+                <a:shade val="15000"/>
+              </a:schemeClr>
+            </a:lnRef>
+            <a:fillRef idx="1">
+              <a:schemeClr val="accent1"/>
+            </a:fillRef>
+            <a:effectRef idx="0">
+              <a:schemeClr val="accent1"/>
+            </a:effectRef>
+            <a:fontRef idx="minor">
+              <a:schemeClr val="lt1"/>
+            </a:fontRef>
+          </p:style>
+          <p:txBody>
+            <a:bodyPr rtlCol="0" anchor="ctr"/>
+            <a:lstStyle/>
+            <a:p>
+              <a:pPr algn="ctr"/>
+              <a:r>
+                <a:rPr kumimoji="1" lang="ja-JP" altLang="en-US" sz="1600" dirty="0">
+                  <a:solidFill>
+                    <a:schemeClr val="bg1"/>
+                  </a:solidFill>
+                  <a:latin typeface="メイリオ" panose="020B0604030504040204" pitchFamily="50" charset="-128"/>
+                  <a:ea typeface="メイリオ" panose="020B0604030504040204" pitchFamily="50" charset="-128"/>
+                </a:rPr>
+                <a:t>プログラム</a:t>
+              </a:r>
+            </a:p>
+          </p:txBody>
+        </p:sp>
+        <p:cxnSp>
+          <p:nvCxnSpPr>
+            <p:cNvPr id="7" name="直線矢印コネクタ 6">
+              <a:extLst>
+                <a:ext uri="{FF2B5EF4-FFF2-40B4-BE49-F238E27FC236}">
+                  <a16:creationId xmlns:a16="http://schemas.microsoft.com/office/drawing/2014/main" id="{2743ADAF-1EC7-812F-3570-4698B8024DCC}"/>
+                </a:ext>
+              </a:extLst>
+            </p:cNvPr>
+            <p:cNvCxnSpPr>
+              <a:cxnSpLocks/>
+              <a:stCxn id="3" idx="3"/>
+              <a:endCxn id="4" idx="1"/>
+            </p:cNvCxnSpPr>
+            <p:nvPr/>
+          </p:nvCxnSpPr>
+          <p:spPr>
+            <a:xfrm>
+              <a:off x="3220674" y="2183882"/>
+              <a:ext cx="2155326" cy="0"/>
+            </a:xfrm>
+            <a:prstGeom prst="straightConnector1">
+              <a:avLst/>
+            </a:prstGeom>
+            <a:ln w="28575">
+              <a:solidFill>
+                <a:schemeClr val="tx1">
+                  <a:lumMod val="50000"/>
+                  <a:lumOff val="50000"/>
+                </a:schemeClr>
+              </a:solidFill>
+              <a:tailEnd type="triangle"/>
+            </a:ln>
+          </p:spPr>
+          <p:style>
+            <a:lnRef idx="1">
+              <a:schemeClr val="accent1"/>
+            </a:lnRef>
+            <a:fillRef idx="0">
+              <a:schemeClr val="accent1"/>
+            </a:fillRef>
+            <a:effectRef idx="0">
+              <a:schemeClr val="accent1"/>
+            </a:effectRef>
+            <a:fontRef idx="minor">
+              <a:schemeClr val="tx1"/>
+            </a:fontRef>
+          </p:style>
+        </p:cxnSp>
+        <p:cxnSp>
+          <p:nvCxnSpPr>
+            <p:cNvPr id="10" name="直線矢印コネクタ 9">
+              <a:extLst>
+                <a:ext uri="{FF2B5EF4-FFF2-40B4-BE49-F238E27FC236}">
+                  <a16:creationId xmlns:a16="http://schemas.microsoft.com/office/drawing/2014/main" id="{CC30E7CA-E7D8-EA17-2A00-88736D64500D}"/>
+                </a:ext>
+              </a:extLst>
+            </p:cNvPr>
+            <p:cNvCxnSpPr>
+              <a:cxnSpLocks/>
+              <a:stCxn id="4" idx="3"/>
+              <a:endCxn id="5" idx="1"/>
+            </p:cNvCxnSpPr>
+            <p:nvPr/>
+          </p:nvCxnSpPr>
+          <p:spPr>
+            <a:xfrm>
+              <a:off x="6816000" y="2183882"/>
+              <a:ext cx="2155326" cy="0"/>
+            </a:xfrm>
+            <a:prstGeom prst="straightConnector1">
+              <a:avLst/>
+            </a:prstGeom>
+            <a:ln w="28575">
+              <a:solidFill>
+                <a:schemeClr val="tx1">
+                  <a:lumMod val="50000"/>
+                  <a:lumOff val="50000"/>
+                </a:schemeClr>
+              </a:solidFill>
+              <a:tailEnd type="triangle"/>
+            </a:ln>
+          </p:spPr>
+          <p:style>
+            <a:lnRef idx="1">
+              <a:schemeClr val="accent1"/>
+            </a:lnRef>
+            <a:fillRef idx="0">
+              <a:schemeClr val="accent1"/>
+            </a:fillRef>
+            <a:effectRef idx="0">
+              <a:schemeClr val="accent1"/>
+            </a:effectRef>
+            <a:fontRef idx="minor">
+              <a:schemeClr val="tx1"/>
+            </a:fontRef>
+          </p:style>
+        </p:cxnSp>
+        <p:pic>
+          <p:nvPicPr>
+            <p:cNvPr id="16" name="グラフィックス 15" descr="紙">
+              <a:extLst>
+                <a:ext uri="{FF2B5EF4-FFF2-40B4-BE49-F238E27FC236}">
+                  <a16:creationId xmlns:a16="http://schemas.microsoft.com/office/drawing/2014/main" id="{4500AEAF-BD34-E29B-64F3-B040BABB5031}"/>
+                </a:ext>
+              </a:extLst>
+            </p:cNvPr>
+            <p:cNvPicPr>
+              <a:picLocks noChangeAspect="1"/>
+            </p:cNvPicPr>
+            <p:nvPr/>
+          </p:nvPicPr>
+          <p:blipFill>
+            <a:blip r:embed="rId2">
+              <a:extLst>
+                <a:ext uri="{96DAC541-7B7A-43D3-8B79-37D633B846F1}">
+                  <asvg:svgBlip xmlns:asvg="http://schemas.microsoft.com/office/drawing/2016/SVG/main" r:embed="rId3"/>
+                </a:ext>
+              </a:extLst>
+            </a:blip>
+            <a:stretch>
+              <a:fillRect/>
+            </a:stretch>
+          </p:blipFill>
+          <p:spPr>
+            <a:xfrm>
+              <a:off x="4011583" y="611863"/>
+              <a:ext cx="573503" cy="573503"/>
+            </a:xfrm>
+            <a:prstGeom prst="rect">
+              <a:avLst/>
+            </a:prstGeom>
+          </p:spPr>
+        </p:pic>
+        <p:sp>
+          <p:nvSpPr>
+            <p:cNvPr id="17" name="テキスト ボックス 16">
+              <a:extLst>
+                <a:ext uri="{FF2B5EF4-FFF2-40B4-BE49-F238E27FC236}">
+                  <a16:creationId xmlns:a16="http://schemas.microsoft.com/office/drawing/2014/main" id="{E822CC1A-4038-4AF4-25E2-5C2C4204D474}"/>
+                </a:ext>
+              </a:extLst>
+            </p:cNvPr>
+            <p:cNvSpPr txBox="1"/>
+            <p:nvPr/>
+          </p:nvSpPr>
+          <p:spPr>
+            <a:xfrm>
+              <a:off x="3531684" y="1253545"/>
+              <a:ext cx="1533305" cy="646331"/>
+            </a:xfrm>
+            <a:prstGeom prst="rect">
+              <a:avLst/>
+            </a:prstGeom>
+            <a:noFill/>
+          </p:spPr>
+          <p:txBody>
+            <a:bodyPr wrap="none" rtlCol="0">
+              <a:spAutoFit/>
+            </a:bodyPr>
+            <a:lstStyle/>
+            <a:p>
+              <a:pPr algn="ctr"/>
+              <a:r>
+                <a:rPr kumimoji="1" lang="en-US" altLang="ja-JP" sz="1200" dirty="0" err="1">
+                  <a:latin typeface="メイリオ" panose="020B0604030504040204" pitchFamily="50" charset="-128"/>
+                  <a:ea typeface="メイリオ" panose="020B0604030504040204" pitchFamily="50" charset="-128"/>
+                </a:rPr>
+                <a:t>RasPIAuto.service</a:t>
+              </a:r>
+              <a:endParaRPr kumimoji="1" lang="en-US" altLang="ja-JP" sz="1200" dirty="0">
+                <a:latin typeface="メイリオ" panose="020B0604030504040204" pitchFamily="50" charset="-128"/>
+                <a:ea typeface="メイリオ" panose="020B0604030504040204" pitchFamily="50" charset="-128"/>
+              </a:endParaRPr>
+            </a:p>
+            <a:p>
+              <a:pPr algn="ctr"/>
+              <a:r>
+                <a:rPr lang="ja-JP" altLang="en-US" sz="1200" dirty="0">
+                  <a:latin typeface="メイリオ" panose="020B0604030504040204" pitchFamily="50" charset="-128"/>
+                  <a:ea typeface="メイリオ" panose="020B0604030504040204" pitchFamily="50" charset="-128"/>
+                </a:rPr>
+                <a:t>に基づく</a:t>
+              </a:r>
+              <a:endParaRPr lang="en-US" altLang="ja-JP" sz="1200" dirty="0">
+                <a:latin typeface="メイリオ" panose="020B0604030504040204" pitchFamily="50" charset="-128"/>
+                <a:ea typeface="メイリオ" panose="020B0604030504040204" pitchFamily="50" charset="-128"/>
+              </a:endParaRPr>
+            </a:p>
+            <a:p>
+              <a:pPr algn="ctr"/>
+              <a:r>
+                <a:rPr lang="ja-JP" altLang="en-US" sz="1200" dirty="0">
+                  <a:latin typeface="メイリオ" panose="020B0604030504040204" pitchFamily="50" charset="-128"/>
+                  <a:ea typeface="メイリオ" panose="020B0604030504040204" pitchFamily="50" charset="-128"/>
+                </a:rPr>
+                <a:t>対象・タイミング</a:t>
+              </a:r>
+              <a:endParaRPr kumimoji="1" lang="ja-JP" altLang="en-US" sz="1200" dirty="0">
+                <a:latin typeface="メイリオ" panose="020B0604030504040204" pitchFamily="50" charset="-128"/>
+                <a:ea typeface="メイリオ" panose="020B0604030504040204" pitchFamily="50" charset="-128"/>
+              </a:endParaRPr>
+            </a:p>
+          </p:txBody>
+        </p:sp>
+        <p:sp>
+          <p:nvSpPr>
+            <p:cNvPr id="20" name="テキスト ボックス 19">
+              <a:extLst>
+                <a:ext uri="{FF2B5EF4-FFF2-40B4-BE49-F238E27FC236}">
+                  <a16:creationId xmlns:a16="http://schemas.microsoft.com/office/drawing/2014/main" id="{D61BD9DB-C24D-2B86-ACFF-4C8D86D92E26}"/>
+                </a:ext>
+              </a:extLst>
+            </p:cNvPr>
+            <p:cNvSpPr txBox="1"/>
+            <p:nvPr/>
+          </p:nvSpPr>
+          <p:spPr>
+            <a:xfrm>
+              <a:off x="3898227" y="2467889"/>
+              <a:ext cx="800219" cy="276999"/>
+            </a:xfrm>
+            <a:prstGeom prst="rect">
+              <a:avLst/>
+            </a:prstGeom>
+            <a:noFill/>
+          </p:spPr>
+          <p:txBody>
+            <a:bodyPr wrap="none" rtlCol="0">
+              <a:spAutoFit/>
+            </a:bodyPr>
+            <a:lstStyle/>
+            <a:p>
+              <a:pPr algn="ctr"/>
+              <a:r>
+                <a:rPr kumimoji="1" lang="ja-JP" altLang="en-US" sz="1200" dirty="0">
+                  <a:latin typeface="メイリオ" panose="020B0604030504040204" pitchFamily="50" charset="-128"/>
+                  <a:ea typeface="メイリオ" panose="020B0604030504040204" pitchFamily="50" charset="-128"/>
+                </a:rPr>
+                <a:t>呼び出し</a:t>
+              </a:r>
+              <a:endParaRPr kumimoji="1" lang="en-US" altLang="ja-JP" sz="1200" dirty="0">
+                <a:latin typeface="メイリオ" panose="020B0604030504040204" pitchFamily="50" charset="-128"/>
+                <a:ea typeface="メイリオ" panose="020B0604030504040204" pitchFamily="50" charset="-128"/>
+              </a:endParaRPr>
+            </a:p>
+          </p:txBody>
+        </p:sp>
+        <p:sp>
+          <p:nvSpPr>
+            <p:cNvPr id="21" name="テキスト ボックス 20">
+              <a:extLst>
+                <a:ext uri="{FF2B5EF4-FFF2-40B4-BE49-F238E27FC236}">
+                  <a16:creationId xmlns:a16="http://schemas.microsoft.com/office/drawing/2014/main" id="{63BDB07E-0501-200C-1C40-96D503ED81CD}"/>
+                </a:ext>
+              </a:extLst>
+            </p:cNvPr>
+            <p:cNvSpPr txBox="1"/>
+            <p:nvPr/>
+          </p:nvSpPr>
+          <p:spPr>
+            <a:xfrm>
+              <a:off x="7493553" y="2467889"/>
+              <a:ext cx="800219" cy="276999"/>
+            </a:xfrm>
+            <a:prstGeom prst="rect">
+              <a:avLst/>
+            </a:prstGeom>
+            <a:noFill/>
+          </p:spPr>
+          <p:txBody>
+            <a:bodyPr wrap="none" rtlCol="0">
+              <a:spAutoFit/>
+            </a:bodyPr>
+            <a:lstStyle/>
+            <a:p>
+              <a:pPr algn="ctr"/>
+              <a:r>
+                <a:rPr kumimoji="1" lang="ja-JP" altLang="en-US" sz="1200" dirty="0">
+                  <a:latin typeface="メイリオ" panose="020B0604030504040204" pitchFamily="50" charset="-128"/>
+                  <a:ea typeface="メイリオ" panose="020B0604030504040204" pitchFamily="50" charset="-128"/>
+                </a:rPr>
+                <a:t>呼び出し</a:t>
+              </a:r>
+            </a:p>
+          </p:txBody>
+        </p:sp>
+        <p:sp>
+          <p:nvSpPr>
+            <p:cNvPr id="23" name="テキスト ボックス 22">
+              <a:extLst>
+                <a:ext uri="{FF2B5EF4-FFF2-40B4-BE49-F238E27FC236}">
+                  <a16:creationId xmlns:a16="http://schemas.microsoft.com/office/drawing/2014/main" id="{660E9CD3-2855-842B-B72A-F42F05A6D803}"/>
+                </a:ext>
+              </a:extLst>
+            </p:cNvPr>
+            <p:cNvSpPr txBox="1"/>
+            <p:nvPr/>
+          </p:nvSpPr>
+          <p:spPr>
+            <a:xfrm>
+              <a:off x="1824851" y="3105834"/>
+              <a:ext cx="1351652" cy="276999"/>
+            </a:xfrm>
+            <a:prstGeom prst="rect">
+              <a:avLst/>
+            </a:prstGeom>
+            <a:noFill/>
+          </p:spPr>
+          <p:txBody>
+            <a:bodyPr wrap="none" rtlCol="0">
+              <a:spAutoFit/>
+            </a:bodyPr>
+            <a:lstStyle/>
+            <a:p>
+              <a:pPr algn="ctr"/>
+              <a:r>
+                <a:rPr kumimoji="1" lang="en-US" altLang="ja-JP" sz="1200" dirty="0">
+                  <a:latin typeface="メイリオ" panose="020B0604030504040204" pitchFamily="50" charset="-128"/>
+                  <a:ea typeface="メイリオ" panose="020B0604030504040204" pitchFamily="50" charset="-128"/>
+                </a:rPr>
+                <a:t>Linux</a:t>
+              </a:r>
+              <a:r>
+                <a:rPr kumimoji="1" lang="ja-JP" altLang="en-US" sz="1200" dirty="0">
+                  <a:latin typeface="メイリオ" panose="020B0604030504040204" pitchFamily="50" charset="-128"/>
+                  <a:ea typeface="メイリオ" panose="020B0604030504040204" pitchFamily="50" charset="-128"/>
+                </a:rPr>
+                <a:t>標準の機能</a:t>
+              </a:r>
+            </a:p>
+          </p:txBody>
+        </p:sp>
+      </p:grpSp>
     </p:spTree>
     <p:extLst>
       <p:ext uri="{BB962C8B-B14F-4D97-AF65-F5344CB8AC3E}">

--- a/asset/asset-factory.pptx
+++ b/asset/asset-factory.pptx
@@ -7,6 +7,7 @@
   <p:sldIdLst>
     <p:sldId id="256" r:id="rId2"/>
     <p:sldId id="257" r:id="rId3"/>
+    <p:sldId id="258" r:id="rId4"/>
   </p:sldIdLst>
   <p:sldSz cx="12192000" cy="6858000"/>
   <p:notesSz cx="6858000" cy="9144000"/>
@@ -260,7 +261,7 @@
           <a:p>
             <a:fld id="{E1FE23CD-F94F-414F-A11E-986D49A0FF62}" type="datetimeFigureOut">
               <a:rPr kumimoji="1" lang="ja-JP" altLang="en-US" smtClean="0"/>
-              <a:t>2025/5/6</a:t>
+              <a:t>2025/5/10</a:t>
             </a:fld>
             <a:endParaRPr kumimoji="1" lang="ja-JP" altLang="en-US"/>
           </a:p>
@@ -490,7 +491,7 @@
           <a:p>
             <a:fld id="{E1FE23CD-F94F-414F-A11E-986D49A0FF62}" type="datetimeFigureOut">
               <a:rPr kumimoji="1" lang="ja-JP" altLang="en-US" smtClean="0"/>
-              <a:t>2025/5/6</a:t>
+              <a:t>2025/5/10</a:t>
             </a:fld>
             <a:endParaRPr kumimoji="1" lang="ja-JP" altLang="en-US"/>
           </a:p>
@@ -730,7 +731,7 @@
           <a:p>
             <a:fld id="{E1FE23CD-F94F-414F-A11E-986D49A0FF62}" type="datetimeFigureOut">
               <a:rPr kumimoji="1" lang="ja-JP" altLang="en-US" smtClean="0"/>
-              <a:t>2025/5/6</a:t>
+              <a:t>2025/5/10</a:t>
             </a:fld>
             <a:endParaRPr kumimoji="1" lang="ja-JP" altLang="en-US"/>
           </a:p>
@@ -960,7 +961,7 @@
           <a:p>
             <a:fld id="{E1FE23CD-F94F-414F-A11E-986D49A0FF62}" type="datetimeFigureOut">
               <a:rPr kumimoji="1" lang="ja-JP" altLang="en-US" smtClean="0"/>
-              <a:t>2025/5/6</a:t>
+              <a:t>2025/5/10</a:t>
             </a:fld>
             <a:endParaRPr kumimoji="1" lang="ja-JP" altLang="en-US"/>
           </a:p>
@@ -1235,7 +1236,7 @@
           <a:p>
             <a:fld id="{E1FE23CD-F94F-414F-A11E-986D49A0FF62}" type="datetimeFigureOut">
               <a:rPr kumimoji="1" lang="ja-JP" altLang="en-US" smtClean="0"/>
-              <a:t>2025/5/6</a:t>
+              <a:t>2025/5/10</a:t>
             </a:fld>
             <a:endParaRPr kumimoji="1" lang="ja-JP" altLang="en-US"/>
           </a:p>
@@ -1564,7 +1565,7 @@
           <a:p>
             <a:fld id="{E1FE23CD-F94F-414F-A11E-986D49A0FF62}" type="datetimeFigureOut">
               <a:rPr kumimoji="1" lang="ja-JP" altLang="en-US" smtClean="0"/>
-              <a:t>2025/5/6</a:t>
+              <a:t>2025/5/10</a:t>
             </a:fld>
             <a:endParaRPr kumimoji="1" lang="ja-JP" altLang="en-US"/>
           </a:p>
@@ -2040,7 +2041,7 @@
           <a:p>
             <a:fld id="{E1FE23CD-F94F-414F-A11E-986D49A0FF62}" type="datetimeFigureOut">
               <a:rPr kumimoji="1" lang="ja-JP" altLang="en-US" smtClean="0"/>
-              <a:t>2025/5/6</a:t>
+              <a:t>2025/5/10</a:t>
             </a:fld>
             <a:endParaRPr kumimoji="1" lang="ja-JP" altLang="en-US"/>
           </a:p>
@@ -2181,7 +2182,7 @@
           <a:p>
             <a:fld id="{E1FE23CD-F94F-414F-A11E-986D49A0FF62}" type="datetimeFigureOut">
               <a:rPr kumimoji="1" lang="ja-JP" altLang="en-US" smtClean="0"/>
-              <a:t>2025/5/6</a:t>
+              <a:t>2025/5/10</a:t>
             </a:fld>
             <a:endParaRPr kumimoji="1" lang="ja-JP" altLang="en-US"/>
           </a:p>
@@ -2294,7 +2295,7 @@
           <a:p>
             <a:fld id="{E1FE23CD-F94F-414F-A11E-986D49A0FF62}" type="datetimeFigureOut">
               <a:rPr kumimoji="1" lang="ja-JP" altLang="en-US" smtClean="0"/>
-              <a:t>2025/5/6</a:t>
+              <a:t>2025/5/10</a:t>
             </a:fld>
             <a:endParaRPr kumimoji="1" lang="ja-JP" altLang="en-US"/>
           </a:p>
@@ -2637,7 +2638,7 @@
           <a:p>
             <a:fld id="{E1FE23CD-F94F-414F-A11E-986D49A0FF62}" type="datetimeFigureOut">
               <a:rPr kumimoji="1" lang="ja-JP" altLang="en-US" smtClean="0"/>
-              <a:t>2025/5/6</a:t>
+              <a:t>2025/5/10</a:t>
             </a:fld>
             <a:endParaRPr kumimoji="1" lang="ja-JP" altLang="en-US"/>
           </a:p>
@@ -2925,7 +2926,7 @@
           <a:p>
             <a:fld id="{E1FE23CD-F94F-414F-A11E-986D49A0FF62}" type="datetimeFigureOut">
               <a:rPr kumimoji="1" lang="ja-JP" altLang="en-US" smtClean="0"/>
-              <a:t>2025/5/6</a:t>
+              <a:t>2025/5/10</a:t>
             </a:fld>
             <a:endParaRPr kumimoji="1" lang="ja-JP" altLang="en-US"/>
           </a:p>
@@ -3198,7 +3199,7 @@
           <a:p>
             <a:fld id="{E1FE23CD-F94F-414F-A11E-986D49A0FF62}" type="datetimeFigureOut">
               <a:rPr kumimoji="1" lang="ja-JP" altLang="en-US" smtClean="0"/>
-              <a:t>2025/5/6</a:t>
+              <a:t>2025/5/10</a:t>
             </a:fld>
             <a:endParaRPr kumimoji="1" lang="ja-JP" altLang="en-US"/>
           </a:p>
@@ -4288,7 +4289,7 @@
           <a:lstStyle/>
           <a:p>
             <a:pPr algn="ctr"/>
-            <a:endParaRPr kumimoji="1" lang="ja-JP" altLang="en-US"/>
+            <a:endParaRPr kumimoji="1" lang="ja-JP" altLang="en-US" dirty="0"/>
           </a:p>
         </p:txBody>
       </p:sp>
@@ -4863,6 +4864,637 @@
 </p:sld>
 </file>
 
+<file path=ppt/slides/slide3.xml><?xml version="1.0" encoding="utf-8"?>
+<p:sld xmlns:a="http://schemas.openxmlformats.org/drawingml/2006/main" xmlns:r="http://schemas.openxmlformats.org/officeDocument/2006/relationships" xmlns:p="http://schemas.openxmlformats.org/presentationml/2006/main">
+  <p:cSld>
+    <p:spTree>
+      <p:nvGrpSpPr>
+        <p:cNvPr id="1" name=""/>
+        <p:cNvGrpSpPr/>
+        <p:nvPr/>
+      </p:nvGrpSpPr>
+      <p:grpSpPr>
+        <a:xfrm>
+          <a:off x="0" y="0"/>
+          <a:ext cx="0" cy="0"/>
+          <a:chOff x="0" y="0"/>
+          <a:chExt cx="0" cy="0"/>
+        </a:xfrm>
+      </p:grpSpPr>
+      <p:sp>
+        <p:nvSpPr>
+          <p:cNvPr id="13" name="正方形/長方形 12">
+            <a:extLst>
+              <a:ext uri="{FF2B5EF4-FFF2-40B4-BE49-F238E27FC236}">
+                <a16:creationId xmlns:a16="http://schemas.microsoft.com/office/drawing/2014/main" id="{35F2FB32-1AEE-ED9A-F8A2-9D547520AB09}"/>
+              </a:ext>
+            </a:extLst>
+          </p:cNvPr>
+          <p:cNvSpPr/>
+          <p:nvPr/>
+        </p:nvSpPr>
+        <p:spPr>
+          <a:xfrm>
+            <a:off x="890336" y="729918"/>
+            <a:ext cx="8710864" cy="4100500"/>
+          </a:xfrm>
+          <a:prstGeom prst="rect">
+            <a:avLst/>
+          </a:prstGeom>
+          <a:solidFill>
+            <a:schemeClr val="bg1"/>
+          </a:solidFill>
+          <a:ln>
+            <a:noFill/>
+          </a:ln>
+        </p:spPr>
+        <p:style>
+          <a:lnRef idx="2">
+            <a:schemeClr val="accent1">
+              <a:shade val="15000"/>
+            </a:schemeClr>
+          </a:lnRef>
+          <a:fillRef idx="1">
+            <a:schemeClr val="accent1"/>
+          </a:fillRef>
+          <a:effectRef idx="0">
+            <a:schemeClr val="accent1"/>
+          </a:effectRef>
+          <a:fontRef idx="minor">
+            <a:schemeClr val="lt1"/>
+          </a:fontRef>
+        </p:style>
+        <p:txBody>
+          <a:bodyPr rtlCol="0" anchor="ctr"/>
+          <a:lstStyle/>
+          <a:p>
+            <a:pPr algn="ctr"/>
+            <a:endParaRPr kumimoji="1" lang="ja-JP" altLang="en-US" dirty="0"/>
+          </a:p>
+        </p:txBody>
+      </p:sp>
+      <p:sp>
+        <p:nvSpPr>
+          <p:cNvPr id="4" name="正方形/長方形 3">
+            <a:extLst>
+              <a:ext uri="{FF2B5EF4-FFF2-40B4-BE49-F238E27FC236}">
+                <a16:creationId xmlns:a16="http://schemas.microsoft.com/office/drawing/2014/main" id="{31FBE76B-30CF-BD18-577F-BC294B07C918}"/>
+              </a:ext>
+            </a:extLst>
+          </p:cNvPr>
+          <p:cNvSpPr/>
+          <p:nvPr/>
+        </p:nvSpPr>
+        <p:spPr>
+          <a:xfrm>
+            <a:off x="1596190" y="1485607"/>
+            <a:ext cx="5014547" cy="2757529"/>
+          </a:xfrm>
+          <a:prstGeom prst="rect">
+            <a:avLst/>
+          </a:prstGeom>
+          <a:noFill/>
+          <a:ln>
+            <a:solidFill>
+              <a:schemeClr val="tx1">
+                <a:lumMod val="85000"/>
+                <a:lumOff val="15000"/>
+              </a:schemeClr>
+            </a:solidFill>
+          </a:ln>
+        </p:spPr>
+        <p:style>
+          <a:lnRef idx="2">
+            <a:schemeClr val="accent1">
+              <a:shade val="15000"/>
+            </a:schemeClr>
+          </a:lnRef>
+          <a:fillRef idx="1">
+            <a:schemeClr val="accent1"/>
+          </a:fillRef>
+          <a:effectRef idx="0">
+            <a:schemeClr val="accent1"/>
+          </a:effectRef>
+          <a:fontRef idx="minor">
+            <a:schemeClr val="lt1"/>
+          </a:fontRef>
+        </p:style>
+        <p:txBody>
+          <a:bodyPr rtlCol="0" anchor="ctr"/>
+          <a:lstStyle/>
+          <a:p>
+            <a:pPr algn="ctr"/>
+            <a:endParaRPr kumimoji="1" lang="ja-JP" altLang="en-US" sz="1200" dirty="0">
+              <a:solidFill>
+                <a:schemeClr val="tx1">
+                  <a:lumMod val="85000"/>
+                  <a:lumOff val="15000"/>
+                </a:schemeClr>
+              </a:solidFill>
+              <a:latin typeface="メイリオ" panose="020B0604030504040204" pitchFamily="50" charset="-128"/>
+              <a:ea typeface="メイリオ" panose="020B0604030504040204" pitchFamily="50" charset="-128"/>
+            </a:endParaRPr>
+          </a:p>
+        </p:txBody>
+      </p:sp>
+      <p:sp>
+        <p:nvSpPr>
+          <p:cNvPr id="5" name="テキスト ボックス 4">
+            <a:extLst>
+              <a:ext uri="{FF2B5EF4-FFF2-40B4-BE49-F238E27FC236}">
+                <a16:creationId xmlns:a16="http://schemas.microsoft.com/office/drawing/2014/main" id="{77638135-D0A6-B7FB-8E0E-B46BBEE05E9A}"/>
+              </a:ext>
+            </a:extLst>
+          </p:cNvPr>
+          <p:cNvSpPr txBox="1"/>
+          <p:nvPr/>
+        </p:nvSpPr>
+        <p:spPr>
+          <a:xfrm>
+            <a:off x="1796716" y="1604210"/>
+            <a:ext cx="1128899" cy="276999"/>
+          </a:xfrm>
+          <a:prstGeom prst="rect">
+            <a:avLst/>
+          </a:prstGeom>
+          <a:noFill/>
+        </p:spPr>
+        <p:txBody>
+          <a:bodyPr wrap="none" rtlCol="0">
+            <a:spAutoFit/>
+          </a:bodyPr>
+          <a:lstStyle/>
+          <a:p>
+            <a:r>
+              <a:rPr lang="en-US" altLang="ja-JP" sz="1200" dirty="0" err="1">
+                <a:latin typeface="メイリオ" panose="020B0604030504040204" pitchFamily="50" charset="-128"/>
+                <a:ea typeface="メイリオ" panose="020B0604030504040204" pitchFamily="50" charset="-128"/>
+              </a:rPr>
+              <a:t>RasPike</a:t>
+            </a:r>
+            <a:r>
+              <a:rPr lang="en-US" altLang="ja-JP" sz="1200" dirty="0">
+                <a:latin typeface="メイリオ" panose="020B0604030504040204" pitchFamily="50" charset="-128"/>
+                <a:ea typeface="メイリオ" panose="020B0604030504040204" pitchFamily="50" charset="-128"/>
+              </a:rPr>
+              <a:t>-ART</a:t>
+            </a:r>
+            <a:endParaRPr kumimoji="1" lang="ja-JP" altLang="en-US" sz="1200" dirty="0">
+              <a:latin typeface="メイリオ" panose="020B0604030504040204" pitchFamily="50" charset="-128"/>
+              <a:ea typeface="メイリオ" panose="020B0604030504040204" pitchFamily="50" charset="-128"/>
+            </a:endParaRPr>
+          </a:p>
+        </p:txBody>
+      </p:sp>
+      <p:sp>
+        <p:nvSpPr>
+          <p:cNvPr id="6" name="正方形/長方形 5">
+            <a:extLst>
+              <a:ext uri="{FF2B5EF4-FFF2-40B4-BE49-F238E27FC236}">
+                <a16:creationId xmlns:a16="http://schemas.microsoft.com/office/drawing/2014/main" id="{0E2CB8B9-0D28-AFEE-72B4-C44980849E12}"/>
+              </a:ext>
+            </a:extLst>
+          </p:cNvPr>
+          <p:cNvSpPr/>
+          <p:nvPr/>
+        </p:nvSpPr>
+        <p:spPr>
+          <a:xfrm>
+            <a:off x="2045368" y="1994361"/>
+            <a:ext cx="4445053" cy="2123010"/>
+          </a:xfrm>
+          <a:prstGeom prst="rect">
+            <a:avLst/>
+          </a:prstGeom>
+          <a:noFill/>
+          <a:ln>
+            <a:solidFill>
+              <a:schemeClr val="tx1">
+                <a:lumMod val="85000"/>
+                <a:lumOff val="15000"/>
+              </a:schemeClr>
+            </a:solidFill>
+          </a:ln>
+        </p:spPr>
+        <p:style>
+          <a:lnRef idx="2">
+            <a:schemeClr val="accent1">
+              <a:shade val="15000"/>
+            </a:schemeClr>
+          </a:lnRef>
+          <a:fillRef idx="1">
+            <a:schemeClr val="accent1"/>
+          </a:fillRef>
+          <a:effectRef idx="0">
+            <a:schemeClr val="accent1"/>
+          </a:effectRef>
+          <a:fontRef idx="minor">
+            <a:schemeClr val="lt1"/>
+          </a:fontRef>
+        </p:style>
+        <p:txBody>
+          <a:bodyPr rtlCol="0" anchor="ctr"/>
+          <a:lstStyle/>
+          <a:p>
+            <a:pPr algn="ctr"/>
+            <a:endParaRPr kumimoji="1" lang="ja-JP" altLang="en-US" sz="1200" dirty="0">
+              <a:solidFill>
+                <a:schemeClr val="tx1">
+                  <a:lumMod val="85000"/>
+                  <a:lumOff val="15000"/>
+                </a:schemeClr>
+              </a:solidFill>
+              <a:latin typeface="メイリオ" panose="020B0604030504040204" pitchFamily="50" charset="-128"/>
+              <a:ea typeface="メイリオ" panose="020B0604030504040204" pitchFamily="50" charset="-128"/>
+            </a:endParaRPr>
+          </a:p>
+        </p:txBody>
+      </p:sp>
+      <p:sp>
+        <p:nvSpPr>
+          <p:cNvPr id="7" name="テキスト ボックス 6">
+            <a:extLst>
+              <a:ext uri="{FF2B5EF4-FFF2-40B4-BE49-F238E27FC236}">
+                <a16:creationId xmlns:a16="http://schemas.microsoft.com/office/drawing/2014/main" id="{ED372865-450E-237C-DA8A-C5832DE5A6EB}"/>
+              </a:ext>
+            </a:extLst>
+          </p:cNvPr>
+          <p:cNvSpPr txBox="1"/>
+          <p:nvPr/>
+        </p:nvSpPr>
+        <p:spPr>
+          <a:xfrm>
+            <a:off x="2141393" y="2086875"/>
+            <a:ext cx="439544" cy="276999"/>
+          </a:xfrm>
+          <a:prstGeom prst="rect">
+            <a:avLst/>
+          </a:prstGeom>
+          <a:noFill/>
+        </p:spPr>
+        <p:txBody>
+          <a:bodyPr wrap="none" rtlCol="0">
+            <a:spAutoFit/>
+          </a:bodyPr>
+          <a:lstStyle/>
+          <a:p>
+            <a:r>
+              <a:rPr kumimoji="1" lang="en-US" altLang="ja-JP" sz="1200" dirty="0" err="1">
+                <a:latin typeface="メイリオ" panose="020B0604030504040204" pitchFamily="50" charset="-128"/>
+                <a:ea typeface="メイリオ" panose="020B0604030504040204" pitchFamily="50" charset="-128"/>
+              </a:rPr>
+              <a:t>sdk</a:t>
+            </a:r>
+            <a:endParaRPr kumimoji="1" lang="ja-JP" altLang="en-US" sz="1200" dirty="0">
+              <a:latin typeface="メイリオ" panose="020B0604030504040204" pitchFamily="50" charset="-128"/>
+              <a:ea typeface="メイリオ" panose="020B0604030504040204" pitchFamily="50" charset="-128"/>
+            </a:endParaRPr>
+          </a:p>
+        </p:txBody>
+      </p:sp>
+      <p:sp>
+        <p:nvSpPr>
+          <p:cNvPr id="8" name="正方形/長方形 7">
+            <a:extLst>
+              <a:ext uri="{FF2B5EF4-FFF2-40B4-BE49-F238E27FC236}">
+                <a16:creationId xmlns:a16="http://schemas.microsoft.com/office/drawing/2014/main" id="{EFC72578-DA74-D2C1-2247-35C268A9335D}"/>
+              </a:ext>
+            </a:extLst>
+          </p:cNvPr>
+          <p:cNvSpPr/>
+          <p:nvPr/>
+        </p:nvSpPr>
+        <p:spPr>
+          <a:xfrm>
+            <a:off x="2294020" y="2473601"/>
+            <a:ext cx="4050633" cy="1464736"/>
+          </a:xfrm>
+          <a:prstGeom prst="rect">
+            <a:avLst/>
+          </a:prstGeom>
+          <a:noFill/>
+          <a:ln>
+            <a:solidFill>
+              <a:schemeClr val="tx1">
+                <a:lumMod val="85000"/>
+                <a:lumOff val="15000"/>
+              </a:schemeClr>
+            </a:solidFill>
+          </a:ln>
+        </p:spPr>
+        <p:style>
+          <a:lnRef idx="2">
+            <a:schemeClr val="accent1">
+              <a:shade val="15000"/>
+            </a:schemeClr>
+          </a:lnRef>
+          <a:fillRef idx="1">
+            <a:schemeClr val="accent1"/>
+          </a:fillRef>
+          <a:effectRef idx="0">
+            <a:schemeClr val="accent1"/>
+          </a:effectRef>
+          <a:fontRef idx="minor">
+            <a:schemeClr val="lt1"/>
+          </a:fontRef>
+        </p:style>
+        <p:txBody>
+          <a:bodyPr rtlCol="0" anchor="ctr"/>
+          <a:lstStyle/>
+          <a:p>
+            <a:pPr algn="ctr"/>
+            <a:endParaRPr kumimoji="1" lang="ja-JP" altLang="en-US" sz="1200" dirty="0">
+              <a:solidFill>
+                <a:schemeClr val="tx1">
+                  <a:lumMod val="85000"/>
+                  <a:lumOff val="15000"/>
+                </a:schemeClr>
+              </a:solidFill>
+              <a:latin typeface="メイリオ" panose="020B0604030504040204" pitchFamily="50" charset="-128"/>
+              <a:ea typeface="メイリオ" panose="020B0604030504040204" pitchFamily="50" charset="-128"/>
+            </a:endParaRPr>
+          </a:p>
+        </p:txBody>
+      </p:sp>
+      <p:sp>
+        <p:nvSpPr>
+          <p:cNvPr id="9" name="テキスト ボックス 8">
+            <a:extLst>
+              <a:ext uri="{FF2B5EF4-FFF2-40B4-BE49-F238E27FC236}">
+                <a16:creationId xmlns:a16="http://schemas.microsoft.com/office/drawing/2014/main" id="{6EDDB19A-9DE2-30DF-0FD4-9218A640B3FD}"/>
+              </a:ext>
+            </a:extLst>
+          </p:cNvPr>
+          <p:cNvSpPr txBox="1"/>
+          <p:nvPr/>
+        </p:nvSpPr>
+        <p:spPr>
+          <a:xfrm>
+            <a:off x="2361165" y="2560353"/>
+            <a:ext cx="979755" cy="276999"/>
+          </a:xfrm>
+          <a:prstGeom prst="rect">
+            <a:avLst/>
+          </a:prstGeom>
+          <a:noFill/>
+        </p:spPr>
+        <p:txBody>
+          <a:bodyPr wrap="none" rtlCol="0">
+            <a:spAutoFit/>
+          </a:bodyPr>
+          <a:lstStyle/>
+          <a:p>
+            <a:r>
+              <a:rPr kumimoji="1" lang="en-US" altLang="ja-JP" sz="1200" dirty="0">
+                <a:latin typeface="メイリオ" panose="020B0604030504040204" pitchFamily="50" charset="-128"/>
+                <a:ea typeface="メイリオ" panose="020B0604030504040204" pitchFamily="50" charset="-128"/>
+              </a:rPr>
+              <a:t>workspace</a:t>
+            </a:r>
+            <a:endParaRPr kumimoji="1" lang="ja-JP" altLang="en-US" sz="1200" dirty="0">
+              <a:latin typeface="メイリオ" panose="020B0604030504040204" pitchFamily="50" charset="-128"/>
+              <a:ea typeface="メイリオ" panose="020B0604030504040204" pitchFamily="50" charset="-128"/>
+            </a:endParaRPr>
+          </a:p>
+        </p:txBody>
+      </p:sp>
+      <p:sp>
+        <p:nvSpPr>
+          <p:cNvPr id="10" name="正方形/長方形 9">
+            <a:extLst>
+              <a:ext uri="{FF2B5EF4-FFF2-40B4-BE49-F238E27FC236}">
+                <a16:creationId xmlns:a16="http://schemas.microsoft.com/office/drawing/2014/main" id="{3C176F08-324D-C3BC-20FE-FAAEF92E3034}"/>
+              </a:ext>
+            </a:extLst>
+          </p:cNvPr>
+          <p:cNvSpPr/>
+          <p:nvPr/>
+        </p:nvSpPr>
+        <p:spPr>
+          <a:xfrm>
+            <a:off x="2760630" y="2986870"/>
+            <a:ext cx="3423601" cy="801948"/>
+          </a:xfrm>
+          <a:prstGeom prst="rect">
+            <a:avLst/>
+          </a:prstGeom>
+          <a:solidFill>
+            <a:schemeClr val="tx1">
+              <a:lumMod val="75000"/>
+              <a:lumOff val="25000"/>
+            </a:schemeClr>
+          </a:solidFill>
+          <a:ln>
+            <a:solidFill>
+              <a:schemeClr val="tx1">
+                <a:lumMod val="85000"/>
+                <a:lumOff val="15000"/>
+              </a:schemeClr>
+            </a:solidFill>
+          </a:ln>
+        </p:spPr>
+        <p:style>
+          <a:lnRef idx="2">
+            <a:schemeClr val="accent1">
+              <a:shade val="15000"/>
+            </a:schemeClr>
+          </a:lnRef>
+          <a:fillRef idx="1">
+            <a:schemeClr val="accent1"/>
+          </a:fillRef>
+          <a:effectRef idx="0">
+            <a:schemeClr val="accent1"/>
+          </a:effectRef>
+          <a:fontRef idx="minor">
+            <a:schemeClr val="lt1"/>
+          </a:fontRef>
+        </p:style>
+        <p:txBody>
+          <a:bodyPr rtlCol="0" anchor="ctr"/>
+          <a:lstStyle/>
+          <a:p>
+            <a:pPr algn="ctr"/>
+            <a:endParaRPr kumimoji="1" lang="ja-JP" altLang="en-US" sz="1200" dirty="0">
+              <a:solidFill>
+                <a:schemeClr val="tx1">
+                  <a:lumMod val="85000"/>
+                  <a:lumOff val="15000"/>
+                </a:schemeClr>
+              </a:solidFill>
+              <a:latin typeface="メイリオ" panose="020B0604030504040204" pitchFamily="50" charset="-128"/>
+              <a:ea typeface="メイリオ" panose="020B0604030504040204" pitchFamily="50" charset="-128"/>
+            </a:endParaRPr>
+          </a:p>
+        </p:txBody>
+      </p:sp>
+      <p:sp>
+        <p:nvSpPr>
+          <p:cNvPr id="11" name="テキスト ボックス 10">
+            <a:extLst>
+              <a:ext uri="{FF2B5EF4-FFF2-40B4-BE49-F238E27FC236}">
+                <a16:creationId xmlns:a16="http://schemas.microsoft.com/office/drawing/2014/main" id="{69CB0CD0-3F29-43E0-F1F3-C32652EEF752}"/>
+              </a:ext>
+            </a:extLst>
+          </p:cNvPr>
+          <p:cNvSpPr txBox="1"/>
+          <p:nvPr/>
+        </p:nvSpPr>
+        <p:spPr>
+          <a:xfrm>
+            <a:off x="2925615" y="3055866"/>
+            <a:ext cx="2251514" cy="276999"/>
+          </a:xfrm>
+          <a:prstGeom prst="rect">
+            <a:avLst/>
+          </a:prstGeom>
+          <a:noFill/>
+        </p:spPr>
+        <p:txBody>
+          <a:bodyPr wrap="none" rtlCol="0">
+            <a:spAutoFit/>
+          </a:bodyPr>
+          <a:lstStyle/>
+          <a:p>
+            <a:r>
+              <a:rPr kumimoji="1" lang="en-US" altLang="ja-JP" sz="1200" dirty="0">
+                <a:solidFill>
+                  <a:schemeClr val="bg1"/>
+                </a:solidFill>
+                <a:latin typeface="メイリオ" panose="020B0604030504040204" pitchFamily="50" charset="-128"/>
+                <a:ea typeface="メイリオ" panose="020B0604030504040204" pitchFamily="50" charset="-128"/>
+              </a:rPr>
+              <a:t>tenarobo-primary-mil-2025</a:t>
+            </a:r>
+            <a:endParaRPr kumimoji="1" lang="ja-JP" altLang="en-US" sz="1200" dirty="0">
+              <a:solidFill>
+                <a:schemeClr val="bg1"/>
+              </a:solidFill>
+              <a:latin typeface="メイリオ" panose="020B0604030504040204" pitchFamily="50" charset="-128"/>
+              <a:ea typeface="メイリオ" panose="020B0604030504040204" pitchFamily="50" charset="-128"/>
+            </a:endParaRPr>
+          </a:p>
+        </p:txBody>
+      </p:sp>
+      <p:sp>
+        <p:nvSpPr>
+          <p:cNvPr id="14" name="円弧 13">
+            <a:extLst>
+              <a:ext uri="{FF2B5EF4-FFF2-40B4-BE49-F238E27FC236}">
+                <a16:creationId xmlns:a16="http://schemas.microsoft.com/office/drawing/2014/main" id="{C1274B6C-6F59-5CF3-AF19-E63C77345313}"/>
+              </a:ext>
+            </a:extLst>
+          </p:cNvPr>
+          <p:cNvSpPr/>
+          <p:nvPr/>
+        </p:nvSpPr>
+        <p:spPr>
+          <a:xfrm>
+            <a:off x="5434134" y="1656699"/>
+            <a:ext cx="1425255" cy="1425255"/>
+          </a:xfrm>
+          <a:prstGeom prst="arc">
+            <a:avLst>
+              <a:gd name="adj1" fmla="val 16200000"/>
+              <a:gd name="adj2" fmla="val 5104871"/>
+            </a:avLst>
+          </a:prstGeom>
+          <a:ln w="41275">
+            <a:solidFill>
+              <a:schemeClr val="tx1">
+                <a:lumMod val="50000"/>
+                <a:lumOff val="50000"/>
+              </a:schemeClr>
+            </a:solidFill>
+            <a:headEnd type="triangle"/>
+          </a:ln>
+        </p:spPr>
+        <p:style>
+          <a:lnRef idx="1">
+            <a:schemeClr val="accent1"/>
+          </a:lnRef>
+          <a:fillRef idx="0">
+            <a:schemeClr val="accent1"/>
+          </a:fillRef>
+          <a:effectRef idx="0">
+            <a:schemeClr val="accent1"/>
+          </a:effectRef>
+          <a:fontRef idx="minor">
+            <a:schemeClr val="tx1"/>
+          </a:fontRef>
+        </p:style>
+        <p:txBody>
+          <a:bodyPr rtlCol="0" anchor="ctr"/>
+          <a:lstStyle/>
+          <a:p>
+            <a:pPr algn="ctr"/>
+            <a:endParaRPr kumimoji="1" lang="ja-JP" altLang="en-US"/>
+          </a:p>
+        </p:txBody>
+      </p:sp>
+      <p:sp>
+        <p:nvSpPr>
+          <p:cNvPr id="15" name="テキスト ボックス 14">
+            <a:extLst>
+              <a:ext uri="{FF2B5EF4-FFF2-40B4-BE49-F238E27FC236}">
+                <a16:creationId xmlns:a16="http://schemas.microsoft.com/office/drawing/2014/main" id="{67850C57-C627-6FB4-3348-17C58CEAA052}"/>
+              </a:ext>
+            </a:extLst>
+          </p:cNvPr>
+          <p:cNvSpPr txBox="1"/>
+          <p:nvPr/>
+        </p:nvSpPr>
+        <p:spPr>
+          <a:xfrm>
+            <a:off x="6989283" y="2245884"/>
+            <a:ext cx="1877437" cy="461665"/>
+          </a:xfrm>
+          <a:prstGeom prst="rect">
+            <a:avLst/>
+          </a:prstGeom>
+          <a:noFill/>
+        </p:spPr>
+        <p:txBody>
+          <a:bodyPr wrap="none" rtlCol="0">
+            <a:spAutoFit/>
+          </a:bodyPr>
+          <a:lstStyle/>
+          <a:p>
+            <a:r>
+              <a:rPr lang="ja-JP" altLang="en-US" sz="1200" dirty="0">
+                <a:latin typeface="メイリオ" panose="020B0604030504040204" pitchFamily="50" charset="-128"/>
+                <a:ea typeface="メイリオ" panose="020B0604030504040204" pitchFamily="50" charset="-128"/>
+              </a:rPr>
+              <a:t>元々ある関数とか変数を</a:t>
+            </a:r>
+            <a:endParaRPr lang="en-US" altLang="ja-JP" sz="1200" dirty="0">
+              <a:latin typeface="メイリオ" panose="020B0604030504040204" pitchFamily="50" charset="-128"/>
+              <a:ea typeface="メイリオ" panose="020B0604030504040204" pitchFamily="50" charset="-128"/>
+            </a:endParaRPr>
+          </a:p>
+          <a:p>
+            <a:r>
+              <a:rPr kumimoji="1" lang="ja-JP" altLang="en-US" sz="1200" dirty="0">
+                <a:latin typeface="メイリオ" panose="020B0604030504040204" pitchFamily="50" charset="-128"/>
+                <a:ea typeface="メイリオ" panose="020B0604030504040204" pitchFamily="50" charset="-128"/>
+              </a:rPr>
+              <a:t>活用！！</a:t>
+            </a:r>
+          </a:p>
+        </p:txBody>
+      </p:sp>
+    </p:spTree>
+    <p:extLst>
+      <p:ext uri="{BB962C8B-B14F-4D97-AF65-F5344CB8AC3E}">
+        <p14:creationId xmlns:p14="http://schemas.microsoft.com/office/powerpoint/2010/main" val="673480632"/>
+      </p:ext>
+    </p:extLst>
+  </p:cSld>
+  <p:clrMapOvr>
+    <a:masterClrMapping/>
+  </p:clrMapOvr>
+</p:sld>
+</file>
+
 <file path=ppt/theme/theme1.xml><?xml version="1.0" encoding="utf-8"?>
 <a:theme xmlns:a="http://schemas.openxmlformats.org/drawingml/2006/main" name="Office テーマ">
   <a:themeElements>
